--- a/Figure1-explainer.pptx
+++ b/Figure1-explainer.pptx
@@ -104,6 +104,11 @@
       </a:defRPr>
     </a:lvl9pPr>
   </p:defaultTextStyle>
+  <p:extLst>
+    <p:ext uri="{EFAFB233-063F-42B5-8137-9DF3F51BA10A}">
+      <p15:sldGuideLst xmlns:p15="http://schemas.microsoft.com/office/powerpoint/2012/main"/>
+    </p:ext>
+  </p:extLst>
 </p:presentation>
 </file>
 
@@ -256,7 +261,7 @@
           <a:p>
             <a:fld id="{7AF2D6A2-A769-BF48-9D66-878F98736F66}" type="datetimeFigureOut">
               <a:rPr lang="en-US" smtClean="0"/>
-              <a:t>5/24/23</a:t>
+              <a:t>6/7/23</a:t>
             </a:fld>
             <a:endParaRPr lang="en-US"/>
           </a:p>
@@ -456,7 +461,7 @@
           <a:p>
             <a:fld id="{7AF2D6A2-A769-BF48-9D66-878F98736F66}" type="datetimeFigureOut">
               <a:rPr lang="en-US" smtClean="0"/>
-              <a:t>5/24/23</a:t>
+              <a:t>6/7/23</a:t>
             </a:fld>
             <a:endParaRPr lang="en-US"/>
           </a:p>
@@ -666,7 +671,7 @@
           <a:p>
             <a:fld id="{7AF2D6A2-A769-BF48-9D66-878F98736F66}" type="datetimeFigureOut">
               <a:rPr lang="en-US" smtClean="0"/>
-              <a:t>5/24/23</a:t>
+              <a:t>6/7/23</a:t>
             </a:fld>
             <a:endParaRPr lang="en-US"/>
           </a:p>
@@ -866,7 +871,7 @@
           <a:p>
             <a:fld id="{7AF2D6A2-A769-BF48-9D66-878F98736F66}" type="datetimeFigureOut">
               <a:rPr lang="en-US" smtClean="0"/>
-              <a:t>5/24/23</a:t>
+              <a:t>6/7/23</a:t>
             </a:fld>
             <a:endParaRPr lang="en-US"/>
           </a:p>
@@ -1142,7 +1147,7 @@
           <a:p>
             <a:fld id="{7AF2D6A2-A769-BF48-9D66-878F98736F66}" type="datetimeFigureOut">
               <a:rPr lang="en-US" smtClean="0"/>
-              <a:t>5/24/23</a:t>
+              <a:t>6/7/23</a:t>
             </a:fld>
             <a:endParaRPr lang="en-US"/>
           </a:p>
@@ -1410,7 +1415,7 @@
           <a:p>
             <a:fld id="{7AF2D6A2-A769-BF48-9D66-878F98736F66}" type="datetimeFigureOut">
               <a:rPr lang="en-US" smtClean="0"/>
-              <a:t>5/24/23</a:t>
+              <a:t>6/7/23</a:t>
             </a:fld>
             <a:endParaRPr lang="en-US"/>
           </a:p>
@@ -1825,7 +1830,7 @@
           <a:p>
             <a:fld id="{7AF2D6A2-A769-BF48-9D66-878F98736F66}" type="datetimeFigureOut">
               <a:rPr lang="en-US" smtClean="0"/>
-              <a:t>5/24/23</a:t>
+              <a:t>6/7/23</a:t>
             </a:fld>
             <a:endParaRPr lang="en-US"/>
           </a:p>
@@ -1967,7 +1972,7 @@
           <a:p>
             <a:fld id="{7AF2D6A2-A769-BF48-9D66-878F98736F66}" type="datetimeFigureOut">
               <a:rPr lang="en-US" smtClean="0"/>
-              <a:t>5/24/23</a:t>
+              <a:t>6/7/23</a:t>
             </a:fld>
             <a:endParaRPr lang="en-US"/>
           </a:p>
@@ -2080,7 +2085,7 @@
           <a:p>
             <a:fld id="{7AF2D6A2-A769-BF48-9D66-878F98736F66}" type="datetimeFigureOut">
               <a:rPr lang="en-US" smtClean="0"/>
-              <a:t>5/24/23</a:t>
+              <a:t>6/7/23</a:t>
             </a:fld>
             <a:endParaRPr lang="en-US"/>
           </a:p>
@@ -2393,7 +2398,7 @@
           <a:p>
             <a:fld id="{7AF2D6A2-A769-BF48-9D66-878F98736F66}" type="datetimeFigureOut">
               <a:rPr lang="en-US" smtClean="0"/>
-              <a:t>5/24/23</a:t>
+              <a:t>6/7/23</a:t>
             </a:fld>
             <a:endParaRPr lang="en-US"/>
           </a:p>
@@ -2682,7 +2687,7 @@
           <a:p>
             <a:fld id="{7AF2D6A2-A769-BF48-9D66-878F98736F66}" type="datetimeFigureOut">
               <a:rPr lang="en-US" smtClean="0"/>
-              <a:t>5/24/23</a:t>
+              <a:t>6/7/23</a:t>
             </a:fld>
             <a:endParaRPr lang="en-US"/>
           </a:p>
@@ -2925,7 +2930,7 @@
           <a:p>
             <a:fld id="{7AF2D6A2-A769-BF48-9D66-878F98736F66}" type="datetimeFigureOut">
               <a:rPr lang="en-US" smtClean="0"/>
-              <a:t>5/24/23</a:t>
+              <a:t>6/7/23</a:t>
             </a:fld>
             <a:endParaRPr lang="en-US"/>
           </a:p>
@@ -5352,7 +5357,7 @@
                 <a:latin typeface="Didot" panose="02000503000000020003" pitchFamily="2" charset="-79"/>
                 <a:cs typeface="Didot" panose="02000503000000020003" pitchFamily="2" charset="-79"/>
               </a:rPr>
-              <a:t>Mitosis Pathways</a:t>
+              <a:t>Meiosis Pathways</a:t>
             </a:r>
           </a:p>
         </p:txBody>

--- a/Figure1-explainer.pptx
+++ b/Figure1-explainer.pptx
@@ -261,7 +261,7 @@
           <a:p>
             <a:fld id="{7AF2D6A2-A769-BF48-9D66-878F98736F66}" type="datetimeFigureOut">
               <a:rPr lang="en-US" smtClean="0"/>
-              <a:t>6/7/23</a:t>
+              <a:t>7/18/23</a:t>
             </a:fld>
             <a:endParaRPr lang="en-US"/>
           </a:p>
@@ -461,7 +461,7 @@
           <a:p>
             <a:fld id="{7AF2D6A2-A769-BF48-9D66-878F98736F66}" type="datetimeFigureOut">
               <a:rPr lang="en-US" smtClean="0"/>
-              <a:t>6/7/23</a:t>
+              <a:t>7/18/23</a:t>
             </a:fld>
             <a:endParaRPr lang="en-US"/>
           </a:p>
@@ -671,7 +671,7 @@
           <a:p>
             <a:fld id="{7AF2D6A2-A769-BF48-9D66-878F98736F66}" type="datetimeFigureOut">
               <a:rPr lang="en-US" smtClean="0"/>
-              <a:t>6/7/23</a:t>
+              <a:t>7/18/23</a:t>
             </a:fld>
             <a:endParaRPr lang="en-US"/>
           </a:p>
@@ -871,7 +871,7 @@
           <a:p>
             <a:fld id="{7AF2D6A2-A769-BF48-9D66-878F98736F66}" type="datetimeFigureOut">
               <a:rPr lang="en-US" smtClean="0"/>
-              <a:t>6/7/23</a:t>
+              <a:t>7/18/23</a:t>
             </a:fld>
             <a:endParaRPr lang="en-US"/>
           </a:p>
@@ -1147,7 +1147,7 @@
           <a:p>
             <a:fld id="{7AF2D6A2-A769-BF48-9D66-878F98736F66}" type="datetimeFigureOut">
               <a:rPr lang="en-US" smtClean="0"/>
-              <a:t>6/7/23</a:t>
+              <a:t>7/18/23</a:t>
             </a:fld>
             <a:endParaRPr lang="en-US"/>
           </a:p>
@@ -1415,7 +1415,7 @@
           <a:p>
             <a:fld id="{7AF2D6A2-A769-BF48-9D66-878F98736F66}" type="datetimeFigureOut">
               <a:rPr lang="en-US" smtClean="0"/>
-              <a:t>6/7/23</a:t>
+              <a:t>7/18/23</a:t>
             </a:fld>
             <a:endParaRPr lang="en-US"/>
           </a:p>
@@ -1830,7 +1830,7 @@
           <a:p>
             <a:fld id="{7AF2D6A2-A769-BF48-9D66-878F98736F66}" type="datetimeFigureOut">
               <a:rPr lang="en-US" smtClean="0"/>
-              <a:t>6/7/23</a:t>
+              <a:t>7/18/23</a:t>
             </a:fld>
             <a:endParaRPr lang="en-US"/>
           </a:p>
@@ -1972,7 +1972,7 @@
           <a:p>
             <a:fld id="{7AF2D6A2-A769-BF48-9D66-878F98736F66}" type="datetimeFigureOut">
               <a:rPr lang="en-US" smtClean="0"/>
-              <a:t>6/7/23</a:t>
+              <a:t>7/18/23</a:t>
             </a:fld>
             <a:endParaRPr lang="en-US"/>
           </a:p>
@@ -2085,7 +2085,7 @@
           <a:p>
             <a:fld id="{7AF2D6A2-A769-BF48-9D66-878F98736F66}" type="datetimeFigureOut">
               <a:rPr lang="en-US" smtClean="0"/>
-              <a:t>6/7/23</a:t>
+              <a:t>7/18/23</a:t>
             </a:fld>
             <a:endParaRPr lang="en-US"/>
           </a:p>
@@ -2398,7 +2398,7 @@
           <a:p>
             <a:fld id="{7AF2D6A2-A769-BF48-9D66-878F98736F66}" type="datetimeFigureOut">
               <a:rPr lang="en-US" smtClean="0"/>
-              <a:t>6/7/23</a:t>
+              <a:t>7/18/23</a:t>
             </a:fld>
             <a:endParaRPr lang="en-US"/>
           </a:p>
@@ -2687,7 +2687,7 @@
           <a:p>
             <a:fld id="{7AF2D6A2-A769-BF48-9D66-878F98736F66}" type="datetimeFigureOut">
               <a:rPr lang="en-US" smtClean="0"/>
-              <a:t>6/7/23</a:t>
+              <a:t>7/18/23</a:t>
             </a:fld>
             <a:endParaRPr lang="en-US"/>
           </a:p>
@@ -2930,7 +2930,7 @@
           <a:p>
             <a:fld id="{7AF2D6A2-A769-BF48-9D66-878F98736F66}" type="datetimeFigureOut">
               <a:rPr lang="en-US" smtClean="0"/>
-              <a:t>6/7/23</a:t>
+              <a:t>7/18/23</a:t>
             </a:fld>
             <a:endParaRPr lang="en-US"/>
           </a:p>
@@ -3959,8 +3959,8 @@
         </p:nvSpPr>
         <p:spPr>
           <a:xfrm>
-            <a:off x="900090" y="1313614"/>
-            <a:ext cx="2703258" cy="369332"/>
+            <a:off x="-4677" y="1313614"/>
+            <a:ext cx="3608025" cy="369332"/>
           </a:xfrm>
           <a:prstGeom prst="rect">
             <a:avLst/>
@@ -3979,7 +3979,7 @@
                 <a:latin typeface="Didot" panose="02000503000000020003" pitchFamily="2" charset="-79"/>
                 <a:cs typeface="Didot" panose="02000503000000020003" pitchFamily="2" charset="-79"/>
               </a:rPr>
-              <a:t>Native segments</a:t>
+              <a:t>Conservation Target segments</a:t>
             </a:r>
           </a:p>
         </p:txBody>
@@ -4265,8 +4265,8 @@
         </p:nvCxnSpPr>
         <p:spPr>
           <a:xfrm>
-            <a:off x="2251719" y="1682946"/>
-            <a:ext cx="10028" cy="248846"/>
+            <a:off x="1799336" y="1682946"/>
+            <a:ext cx="462411" cy="248846"/>
           </a:xfrm>
           <a:prstGeom prst="line">
             <a:avLst/>
@@ -4722,7 +4722,7 @@
                 <a:latin typeface="Didot" panose="02000503000000020003" pitchFamily="2" charset="-79"/>
                 <a:cs typeface="Didot" panose="02000503000000020003" pitchFamily="2" charset="-79"/>
               </a:rPr>
-              <a:t>c) Selection for Native Ancestry</a:t>
+              <a:t>c) Selection for Target Ancestry</a:t>
             </a:r>
           </a:p>
         </p:txBody>
@@ -4826,7 +4826,7 @@
           <a:prstGeom prst="line">
             <a:avLst/>
           </a:prstGeom>
-          <a:ln w="25400">
+          <a:ln w="57150">
             <a:solidFill>
               <a:srgbClr val="00B050"/>
             </a:solidFill>
@@ -4870,7 +4870,7 @@
           <a:prstGeom prst="line">
             <a:avLst/>
           </a:prstGeom>
-          <a:ln w="25400">
+          <a:ln w="57150">
             <a:solidFill>
               <a:srgbClr val="00B050"/>
             </a:solidFill>
@@ -4913,7 +4913,7 @@
           <a:prstGeom prst="line">
             <a:avLst/>
           </a:prstGeom>
-          <a:ln w="25400">
+          <a:ln w="57150">
             <a:solidFill>
               <a:srgbClr val="00B050"/>
             </a:solidFill>
@@ -4956,7 +4956,7 @@
           <a:prstGeom prst="line">
             <a:avLst/>
           </a:prstGeom>
-          <a:ln w="25400">
+          <a:ln w="57150">
             <a:solidFill>
               <a:srgbClr val="00B050"/>
             </a:solidFill>
@@ -4999,7 +4999,7 @@
           <a:prstGeom prst="line">
             <a:avLst/>
           </a:prstGeom>
-          <a:ln w="25400">
+          <a:ln w="57150">
             <a:solidFill>
               <a:srgbClr val="00B050"/>
             </a:solidFill>
@@ -5042,7 +5042,7 @@
           <a:prstGeom prst="line">
             <a:avLst/>
           </a:prstGeom>
-          <a:ln w="25400">
+          <a:ln w="57150">
             <a:solidFill>
               <a:srgbClr val="00B050"/>
             </a:solidFill>
@@ -5085,7 +5085,7 @@
           <a:prstGeom prst="line">
             <a:avLst/>
           </a:prstGeom>
-          <a:ln w="25400">
+          <a:ln w="57150">
             <a:solidFill>
               <a:srgbClr val="FFFF00"/>
             </a:solidFill>
@@ -5128,7 +5128,7 @@
           <a:prstGeom prst="line">
             <a:avLst/>
           </a:prstGeom>
-          <a:ln w="25400">
+          <a:ln w="57150">
             <a:solidFill>
               <a:srgbClr val="FFFF00"/>
             </a:solidFill>
@@ -5171,7 +5171,7 @@
           <a:prstGeom prst="line">
             <a:avLst/>
           </a:prstGeom>
-          <a:ln w="25400">
+          <a:ln w="57150">
             <a:solidFill>
               <a:srgbClr val="FFFF00"/>
             </a:solidFill>
@@ -5214,7 +5214,7 @@
           <a:prstGeom prst="line">
             <a:avLst/>
           </a:prstGeom>
-          <a:ln w="25400">
+          <a:ln w="57150">
             <a:solidFill>
               <a:srgbClr val="FFFF00"/>
             </a:solidFill>
@@ -5257,7 +5257,7 @@
           <a:prstGeom prst="line">
             <a:avLst/>
           </a:prstGeom>
-          <a:ln w="25400">
+          <a:ln w="57150">
             <a:solidFill>
               <a:srgbClr val="FFFF00"/>
             </a:solidFill>
@@ -5301,7 +5301,7 @@
           <a:prstGeom prst="line">
             <a:avLst/>
           </a:prstGeom>
-          <a:ln w="25400">
+          <a:ln w="57150">
             <a:solidFill>
               <a:srgbClr val="00B050"/>
             </a:solidFill>
